--- a/resource/30.analysis/310.request/312.Happy Steps]프로세스정의서.pptx
+++ b/resource/30.analysis/310.request/312.Happy Steps]프로세스정의서.pptx
@@ -5867,25 +5867,6 @@
           </a:p>
         </p:txBody>
       </p:sp>
-      <p:sp>
-        <p:nvSpPr>
-          <p:cNvPr id="3" name="부제목 2"/>
-          <p:cNvSpPr>
-            <a:spLocks noGrp="1"/>
-          </p:cNvSpPr>
-          <p:nvPr>
-            <p:ph type="subTitle" idx="1"/>
-          </p:nvPr>
-        </p:nvSpPr>
-        <p:spPr/>
-        <p:txBody>
-          <a:bodyPr/>
-          <a:lstStyle/>
-          <a:p>
-            <a:endParaRPr lang="ko-KR" altLang="en-US" dirty="0"/>
-          </a:p>
-        </p:txBody>
-      </p:sp>
     </p:spTree>
     <p:extLst>
       <p:ext uri="{BB962C8B-B14F-4D97-AF65-F5344CB8AC3E}">
@@ -8486,11 +8467,6 @@
               </a:rPr>
               <a:t>비밀번호 찾기</a:t>
             </a:r>
-            <a:endParaRPr lang="ko-KR" altLang="en-US" sz="1200" dirty="0" smtClean="0">
-              <a:solidFill>
-                <a:schemeClr val="tx1"/>
-              </a:solidFill>
-            </a:endParaRPr>
           </a:p>
         </p:txBody>
       </p:sp>
@@ -8964,9 +8940,7 @@
           </a:prstGeom>
           <a:noFill/>
           <a:ln w="19050">
-            <a:solidFill>
-              <a:schemeClr val="tx1"/>
-            </a:solidFill>
+            <a:noFill/>
           </a:ln>
         </p:spPr>
         <p:txBody>
@@ -9282,12 +9256,6 @@
               </a:rPr>
               <a:t>아이디</a:t>
             </a:r>
-            <a:endParaRPr lang="ko-KR" altLang="en-US" sz="1200" dirty="0" smtClean="0">
-              <a:solidFill>
-                <a:schemeClr val="tx1"/>
-              </a:solidFill>
-              <a:latin typeface="+mn-ea"/>
-            </a:endParaRPr>
           </a:p>
         </p:txBody>
       </p:sp>
@@ -9599,12 +9567,6 @@
               </a:rPr>
               <a:t>비밀번호</a:t>
             </a:r>
-            <a:endParaRPr lang="ko-KR" altLang="en-US" sz="1200" dirty="0" smtClean="0">
-              <a:solidFill>
-                <a:schemeClr val="tx1"/>
-              </a:solidFill>
-              <a:latin typeface="+mn-ea"/>
-            </a:endParaRPr>
           </a:p>
         </p:txBody>
       </p:sp>
@@ -9818,12 +9780,6 @@
               </a:rPr>
               <a:t>닉네임</a:t>
             </a:r>
-            <a:endParaRPr lang="ko-KR" altLang="en-US" sz="1200" dirty="0" smtClean="0">
-              <a:solidFill>
-                <a:schemeClr val="tx1"/>
-              </a:solidFill>
-              <a:latin typeface="+mn-ea"/>
-            </a:endParaRPr>
           </a:p>
         </p:txBody>
       </p:sp>
@@ -9835,8 +9791,8 @@
         </p:nvSpPr>
         <p:spPr>
           <a:xfrm>
-            <a:off x="7455526" y="2504310"/>
-            <a:ext cx="1725904" cy="994395"/>
+            <a:off x="7455526" y="2499050"/>
+            <a:ext cx="1725904" cy="999655"/>
           </a:xfrm>
           <a:prstGeom prst="flowChartDecision">
             <a:avLst/>
@@ -9877,22 +9833,22 @@
           <a:p>
             <a:pPr algn="ctr"/>
             <a:r>
-              <a:rPr lang="ko-KR" altLang="en-US" sz="1000" dirty="0" err="1" smtClean="0">
-                <a:solidFill>
-                  <a:schemeClr val="tx1"/>
-                </a:solidFill>
-                <a:latin typeface="+mn-ea"/>
-              </a:rPr>
-              <a:t>유효성검사</a:t>
-            </a:r>
-            <a:r>
               <a:rPr lang="ko-KR" altLang="en-US" sz="1000" dirty="0" smtClean="0">
                 <a:solidFill>
                   <a:schemeClr val="tx1"/>
                 </a:solidFill>
                 <a:latin typeface="+mn-ea"/>
               </a:rPr>
-              <a:t> 및 </a:t>
+              <a:t>유효성 검사 </a:t>
+            </a:r>
+            <a:r>
+              <a:rPr lang="ko-KR" altLang="en-US" sz="1000" dirty="0" smtClean="0">
+                <a:solidFill>
+                  <a:schemeClr val="tx1"/>
+                </a:solidFill>
+                <a:latin typeface="+mn-ea"/>
+              </a:rPr>
+              <a:t>및 </a:t>
             </a:r>
             <a:r>
               <a:rPr lang="ko-KR" altLang="en-US" sz="1000" dirty="0" err="1" smtClean="0">
@@ -9924,7 +9880,7 @@
         <p:spPr>
           <a:xfrm flipH="1">
             <a:off x="9181430" y="2993600"/>
-            <a:ext cx="270225" cy="7908"/>
+            <a:ext cx="270225" cy="5278"/>
           </a:xfrm>
           <a:prstGeom prst="straightConnector1">
             <a:avLst/>
@@ -10157,9 +10113,9 @@
           <p:nvPr/>
         </p:nvCxnSpPr>
         <p:spPr>
-          <a:xfrm flipH="1" flipV="1">
-            <a:off x="6874625" y="3001507"/>
-            <a:ext cx="580901" cy="1"/>
+          <a:xfrm flipH="1">
+            <a:off x="6874626" y="2998878"/>
+            <a:ext cx="580900" cy="2630"/>
           </a:xfrm>
           <a:prstGeom prst="straightConnector1">
             <a:avLst/>
@@ -10409,160 +10365,6 @@
               </a:rPr>
               <a:t>데이터처리</a:t>
             </a:r>
-            <a:endParaRPr lang="ko-KR" altLang="en-US" sz="1200" dirty="0" smtClean="0">
-              <a:solidFill>
-                <a:schemeClr val="tx1"/>
-              </a:solidFill>
-              <a:latin typeface="+mn-ea"/>
-            </a:endParaRPr>
-          </a:p>
-        </p:txBody>
-      </p:sp>
-      <p:sp>
-        <p:nvSpPr>
-          <p:cNvPr id="85" name="순서도: 대체 처리 84"/>
-          <p:cNvSpPr/>
-          <p:nvPr/>
-        </p:nvSpPr>
-        <p:spPr>
-          <a:xfrm>
-            <a:off x="2543631" y="3644408"/>
-            <a:ext cx="1080000" cy="540000"/>
-          </a:xfrm>
-          <a:prstGeom prst="flowChartAlternateProcess">
-            <a:avLst/>
-          </a:prstGeom>
-          <a:solidFill>
-            <a:schemeClr val="bg1"/>
-          </a:solidFill>
-          <a:ln w="19050">
-            <a:solidFill>
-              <a:schemeClr val="tx1"/>
-            </a:solidFill>
-            <a:prstDash val="sysDot"/>
-          </a:ln>
-        </p:spPr>
-        <p:style>
-          <a:lnRef idx="2">
-            <a:schemeClr val="accent1">
-              <a:shade val="50000"/>
-            </a:schemeClr>
-          </a:lnRef>
-          <a:fillRef idx="1">
-            <a:schemeClr val="accent1"/>
-          </a:fillRef>
-          <a:effectRef idx="0">
-            <a:schemeClr val="accent1"/>
-          </a:effectRef>
-          <a:fontRef idx="minor">
-            <a:schemeClr val="lt1"/>
-          </a:fontRef>
-        </p:style>
-        <p:txBody>
-          <a:bodyPr rot="0" spcFirstLastPara="0" vertOverflow="overflow" horzOverflow="overflow" vert="horz" wrap="square" lIns="91440" tIns="45720" rIns="91440" bIns="45720" numCol="1" spcCol="0" rtlCol="0" fromWordArt="0" anchor="ctr" anchorCtr="0" forceAA="0" compatLnSpc="1">
-            <a:prstTxWarp prst="textNoShape">
-              <a:avLst/>
-            </a:prstTxWarp>
-            <a:noAutofit/>
-          </a:bodyPr>
-          <a:lstStyle/>
-          <a:p>
-            <a:pPr algn="ctr"/>
-            <a:r>
-              <a:rPr lang="ko-KR" altLang="en-US" sz="1200" dirty="0" smtClean="0">
-                <a:solidFill>
-                  <a:schemeClr val="tx1"/>
-                </a:solidFill>
-              </a:rPr>
-              <a:t>회원 </a:t>
-            </a:r>
-            <a:r>
-              <a:rPr lang="ko-KR" altLang="en-US" sz="1200" dirty="0" smtClean="0">
-                <a:solidFill>
-                  <a:schemeClr val="tx1"/>
-                </a:solidFill>
-              </a:rPr>
-              <a:t>가입 성공</a:t>
-            </a:r>
-            <a:endParaRPr lang="ko-KR" altLang="en-US" sz="1200" dirty="0" smtClean="0">
-              <a:solidFill>
-                <a:schemeClr val="tx1"/>
-              </a:solidFill>
-            </a:endParaRPr>
-          </a:p>
-        </p:txBody>
-      </p:sp>
-      <p:sp>
-        <p:nvSpPr>
-          <p:cNvPr id="88" name="순서도: 대체 처리 87"/>
-          <p:cNvSpPr/>
-          <p:nvPr/>
-        </p:nvSpPr>
-        <p:spPr>
-          <a:xfrm>
-            <a:off x="795668" y="4500322"/>
-            <a:ext cx="1080000" cy="540000"/>
-          </a:xfrm>
-          <a:prstGeom prst="flowChartAlternateProcess">
-            <a:avLst/>
-          </a:prstGeom>
-          <a:solidFill>
-            <a:schemeClr val="bg1"/>
-          </a:solidFill>
-          <a:ln w="19050">
-            <a:solidFill>
-              <a:schemeClr val="tx1"/>
-            </a:solidFill>
-            <a:prstDash val="sysDot"/>
-          </a:ln>
-        </p:spPr>
-        <p:style>
-          <a:lnRef idx="2">
-            <a:schemeClr val="accent1">
-              <a:shade val="50000"/>
-            </a:schemeClr>
-          </a:lnRef>
-          <a:fillRef idx="1">
-            <a:schemeClr val="accent1"/>
-          </a:fillRef>
-          <a:effectRef idx="0">
-            <a:schemeClr val="accent1"/>
-          </a:effectRef>
-          <a:fontRef idx="minor">
-            <a:schemeClr val="lt1"/>
-          </a:fontRef>
-        </p:style>
-        <p:txBody>
-          <a:bodyPr rot="0" spcFirstLastPara="0" vertOverflow="overflow" horzOverflow="overflow" vert="horz" wrap="square" lIns="91440" tIns="45720" rIns="91440" bIns="45720" numCol="1" spcCol="0" rtlCol="0" fromWordArt="0" anchor="ctr" anchorCtr="0" forceAA="0" compatLnSpc="1">
-            <a:prstTxWarp prst="textNoShape">
-              <a:avLst/>
-            </a:prstTxWarp>
-            <a:noAutofit/>
-          </a:bodyPr>
-          <a:lstStyle/>
-          <a:p>
-            <a:pPr algn="ctr"/>
-            <a:r>
-              <a:rPr lang="ko-KR" altLang="en-US" sz="1200" dirty="0" smtClean="0">
-                <a:solidFill>
-                  <a:schemeClr val="tx1"/>
-                </a:solidFill>
-              </a:rPr>
-              <a:t>회원 </a:t>
-            </a:r>
-            <a:r>
-              <a:rPr lang="ko-KR" altLang="en-US" sz="1200" dirty="0" smtClean="0">
-                <a:solidFill>
-                  <a:schemeClr val="tx1"/>
-                </a:solidFill>
-              </a:rPr>
-              <a:t>가입 실패</a:t>
-            </a:r>
-            <a:endParaRPr lang="ko-KR" altLang="en-US" sz="1200" dirty="0" smtClean="0">
-              <a:solidFill>
-                <a:schemeClr val="tx1"/>
-              </a:solidFill>
-            </a:endParaRPr>
           </a:p>
         </p:txBody>
       </p:sp>
@@ -10611,8 +10413,8 @@
         </p:nvSpPr>
         <p:spPr>
           <a:xfrm>
-            <a:off x="2058365" y="3606132"/>
-            <a:ext cx="405752" cy="276999"/>
+            <a:off x="2091077" y="3515641"/>
+            <a:ext cx="412063" cy="276999"/>
           </a:xfrm>
           <a:prstGeom prst="rect">
             <a:avLst/>
@@ -10623,7 +10425,7 @@
           </a:ln>
         </p:spPr>
         <p:txBody>
-          <a:bodyPr wrap="none" rtlCol="0">
+          <a:bodyPr wrap="square" rtlCol="0">
             <a:spAutoFit/>
           </a:bodyPr>
           <a:lstStyle/>
@@ -10716,12 +10518,6 @@
               </a:rPr>
               <a:t>무</a:t>
             </a:r>
-            <a:endParaRPr lang="ko-KR" altLang="en-US" sz="1200" dirty="0" smtClean="0">
-              <a:solidFill>
-                <a:schemeClr val="tx1"/>
-              </a:solidFill>
-              <a:latin typeface="+mn-ea"/>
-            </a:endParaRPr>
           </a:p>
         </p:txBody>
       </p:sp>
@@ -10808,7 +10604,6 @@
           <p:cNvPr id="65" name="직선 화살표 연결선 64"/>
           <p:cNvCxnSpPr>
             <a:stCxn id="83" idx="2"/>
-            <a:endCxn id="88" idx="0"/>
           </p:cNvCxnSpPr>
           <p:nvPr/>
         </p:nvCxnSpPr>
@@ -10842,19 +10637,253 @@
           </a:fontRef>
         </p:style>
       </p:cxnSp>
+      <p:sp>
+        <p:nvSpPr>
+          <p:cNvPr id="109" name="TextBox 108"/>
+          <p:cNvSpPr txBox="1"/>
+          <p:nvPr/>
+        </p:nvSpPr>
+        <p:spPr>
+          <a:xfrm>
+            <a:off x="7242541" y="1305496"/>
+            <a:ext cx="405752" cy="276999"/>
+          </a:xfrm>
+          <a:prstGeom prst="rect">
+            <a:avLst/>
+          </a:prstGeom>
+          <a:noFill/>
+          <a:ln w="19050">
+            <a:noFill/>
+          </a:ln>
+        </p:spPr>
+        <p:txBody>
+          <a:bodyPr wrap="none" rtlCol="0">
+            <a:spAutoFit/>
+          </a:bodyPr>
+          <a:lstStyle/>
+          <a:p>
+            <a:r>
+              <a:rPr lang="en-US" altLang="ko-KR" sz="1200" dirty="0" smtClean="0">
+                <a:latin typeface="+mn-ea"/>
+              </a:rPr>
+              <a:t>Yes</a:t>
+            </a:r>
+            <a:endParaRPr lang="ko-KR" altLang="en-US" sz="1200" dirty="0">
+              <a:latin typeface="+mn-ea"/>
+            </a:endParaRPr>
+          </a:p>
+        </p:txBody>
+      </p:sp>
+      <p:sp>
+        <p:nvSpPr>
+          <p:cNvPr id="110" name="TextBox 109"/>
+          <p:cNvSpPr txBox="1"/>
+          <p:nvPr/>
+        </p:nvSpPr>
+        <p:spPr>
+          <a:xfrm>
+            <a:off x="10982445" y="2181531"/>
+            <a:ext cx="405752" cy="276999"/>
+          </a:xfrm>
+          <a:prstGeom prst="rect">
+            <a:avLst/>
+          </a:prstGeom>
+          <a:noFill/>
+          <a:ln w="19050">
+            <a:noFill/>
+          </a:ln>
+        </p:spPr>
+        <p:txBody>
+          <a:bodyPr wrap="none" rtlCol="0">
+            <a:spAutoFit/>
+          </a:bodyPr>
+          <a:lstStyle/>
+          <a:p>
+            <a:r>
+              <a:rPr lang="en-US" altLang="ko-KR" sz="1200" dirty="0" smtClean="0">
+                <a:latin typeface="+mn-ea"/>
+              </a:rPr>
+              <a:t>Yes</a:t>
+            </a:r>
+            <a:endParaRPr lang="ko-KR" altLang="en-US" sz="1200" dirty="0">
+              <a:latin typeface="+mn-ea"/>
+            </a:endParaRPr>
+          </a:p>
+        </p:txBody>
+      </p:sp>
+      <p:sp>
+        <p:nvSpPr>
+          <p:cNvPr id="111" name="TextBox 110"/>
+          <p:cNvSpPr txBox="1"/>
+          <p:nvPr/>
+        </p:nvSpPr>
+        <p:spPr>
+          <a:xfrm>
+            <a:off x="6997098" y="2684697"/>
+            <a:ext cx="405752" cy="276999"/>
+          </a:xfrm>
+          <a:prstGeom prst="rect">
+            <a:avLst/>
+          </a:prstGeom>
+          <a:noFill/>
+          <a:ln w="19050">
+            <a:noFill/>
+          </a:ln>
+        </p:spPr>
+        <p:txBody>
+          <a:bodyPr wrap="none" rtlCol="0">
+            <a:spAutoFit/>
+          </a:bodyPr>
+          <a:lstStyle/>
+          <a:p>
+            <a:r>
+              <a:rPr lang="en-US" altLang="ko-KR" sz="1200" dirty="0" smtClean="0">
+                <a:latin typeface="+mn-ea"/>
+              </a:rPr>
+              <a:t>Yes</a:t>
+            </a:r>
+            <a:endParaRPr lang="ko-KR" altLang="en-US" sz="1200" dirty="0">
+              <a:latin typeface="+mn-ea"/>
+            </a:endParaRPr>
+          </a:p>
+        </p:txBody>
+      </p:sp>
+      <p:sp>
+        <p:nvSpPr>
+          <p:cNvPr id="44" name="타원 43"/>
+          <p:cNvSpPr/>
+          <p:nvPr/>
+        </p:nvSpPr>
+        <p:spPr>
+          <a:xfrm>
+            <a:off x="2619831" y="3509974"/>
+            <a:ext cx="845925" cy="811706"/>
+          </a:xfrm>
+          <a:prstGeom prst="ellipse">
+            <a:avLst/>
+          </a:prstGeom>
+          <a:solidFill>
+            <a:schemeClr val="bg1"/>
+          </a:solidFill>
+          <a:ln>
+            <a:solidFill>
+              <a:schemeClr val="tx1"/>
+            </a:solidFill>
+          </a:ln>
+        </p:spPr>
+        <p:style>
+          <a:lnRef idx="2">
+            <a:schemeClr val="accent1">
+              <a:shade val="50000"/>
+            </a:schemeClr>
+          </a:lnRef>
+          <a:fillRef idx="1">
+            <a:schemeClr val="accent1"/>
+          </a:fillRef>
+          <a:effectRef idx="0">
+            <a:schemeClr val="accent1"/>
+          </a:effectRef>
+          <a:fontRef idx="minor">
+            <a:schemeClr val="lt1"/>
+          </a:fontRef>
+        </p:style>
+        <p:txBody>
+          <a:bodyPr rtlCol="0" anchor="ctr"/>
+          <a:lstStyle/>
+          <a:p>
+            <a:pPr algn="ctr"/>
+            <a:r>
+              <a:rPr lang="ko-KR" altLang="en-US" sz="1200" dirty="0">
+                <a:solidFill>
+                  <a:schemeClr val="tx1"/>
+                </a:solidFill>
+              </a:rPr>
+              <a:t>회원 가입 성공</a:t>
+            </a:r>
+          </a:p>
+        </p:txBody>
+      </p:sp>
+      <p:sp>
+        <p:nvSpPr>
+          <p:cNvPr id="49" name="타원 48"/>
+          <p:cNvSpPr/>
+          <p:nvPr/>
+        </p:nvSpPr>
+        <p:spPr>
+          <a:xfrm>
+            <a:off x="912705" y="4508364"/>
+            <a:ext cx="845925" cy="819823"/>
+          </a:xfrm>
+          <a:prstGeom prst="ellipse">
+            <a:avLst/>
+          </a:prstGeom>
+          <a:solidFill>
+            <a:schemeClr val="bg1"/>
+          </a:solidFill>
+          <a:ln>
+            <a:solidFill>
+              <a:schemeClr val="tx1"/>
+            </a:solidFill>
+          </a:ln>
+        </p:spPr>
+        <p:style>
+          <a:lnRef idx="2">
+            <a:schemeClr val="accent1">
+              <a:shade val="50000"/>
+            </a:schemeClr>
+          </a:lnRef>
+          <a:fillRef idx="1">
+            <a:schemeClr val="accent1"/>
+          </a:fillRef>
+          <a:effectRef idx="0">
+            <a:schemeClr val="accent1"/>
+          </a:effectRef>
+          <a:fontRef idx="minor">
+            <a:schemeClr val="lt1"/>
+          </a:fontRef>
+        </p:style>
+        <p:txBody>
+          <a:bodyPr rtlCol="0" anchor="ctr"/>
+          <a:lstStyle/>
+          <a:p>
+            <a:pPr algn="ctr"/>
+            <a:r>
+              <a:rPr lang="ko-KR" altLang="en-US" sz="1200" dirty="0">
+                <a:solidFill>
+                  <a:schemeClr val="tx1"/>
+                </a:solidFill>
+              </a:rPr>
+              <a:t>회원 가입 </a:t>
+            </a:r>
+            <a:r>
+              <a:rPr lang="ko-KR" altLang="en-US" sz="1200" dirty="0" smtClean="0">
+                <a:solidFill>
+                  <a:schemeClr val="tx1"/>
+                </a:solidFill>
+              </a:rPr>
+              <a:t>실패</a:t>
+            </a:r>
+            <a:endParaRPr lang="ko-KR" altLang="en-US" sz="1200" dirty="0">
+              <a:solidFill>
+                <a:schemeClr val="tx1"/>
+              </a:solidFill>
+            </a:endParaRPr>
+          </a:p>
+        </p:txBody>
+      </p:sp>
       <p:cxnSp>
         <p:nvCxnSpPr>
-          <p:cNvPr id="68" name="직선 화살표 연결선 67"/>
+          <p:cNvPr id="15" name="직선 화살표 연결선 14"/>
           <p:cNvCxnSpPr>
             <a:stCxn id="83" idx="3"/>
-            <a:endCxn id="85" idx="1"/>
+            <a:endCxn id="44" idx="2"/>
           </p:cNvCxnSpPr>
           <p:nvPr/>
         </p:nvCxnSpPr>
         <p:spPr>
           <a:xfrm>
             <a:off x="2058365" y="3914408"/>
-            <a:ext cx="485266" cy="0"/>
+            <a:ext cx="561466" cy="1419"/>
           </a:xfrm>
           <a:prstGeom prst="straightConnector1">
             <a:avLst/>
@@ -10881,117 +10910,6 @@
           </a:fontRef>
         </p:style>
       </p:cxnSp>
-      <p:sp>
-        <p:nvSpPr>
-          <p:cNvPr id="109" name="TextBox 108"/>
-          <p:cNvSpPr txBox="1"/>
-          <p:nvPr/>
-        </p:nvSpPr>
-        <p:spPr>
-          <a:xfrm>
-            <a:off x="7242541" y="1305496"/>
-            <a:ext cx="405752" cy="276999"/>
-          </a:xfrm>
-          <a:prstGeom prst="rect">
-            <a:avLst/>
-          </a:prstGeom>
-          <a:noFill/>
-          <a:ln w="19050">
-            <a:noFill/>
-          </a:ln>
-        </p:spPr>
-        <p:txBody>
-          <a:bodyPr wrap="none" rtlCol="0">
-            <a:spAutoFit/>
-          </a:bodyPr>
-          <a:lstStyle/>
-          <a:p>
-            <a:r>
-              <a:rPr lang="en-US" altLang="ko-KR" sz="1200" dirty="0" smtClean="0">
-                <a:latin typeface="+mn-ea"/>
-              </a:rPr>
-              <a:t>Yes</a:t>
-            </a:r>
-            <a:endParaRPr lang="ko-KR" altLang="en-US" sz="1200" dirty="0">
-              <a:latin typeface="+mn-ea"/>
-            </a:endParaRPr>
-          </a:p>
-        </p:txBody>
-      </p:sp>
-      <p:sp>
-        <p:nvSpPr>
-          <p:cNvPr id="110" name="TextBox 109"/>
-          <p:cNvSpPr txBox="1"/>
-          <p:nvPr/>
-        </p:nvSpPr>
-        <p:spPr>
-          <a:xfrm>
-            <a:off x="10982445" y="2181531"/>
-            <a:ext cx="405752" cy="276999"/>
-          </a:xfrm>
-          <a:prstGeom prst="rect">
-            <a:avLst/>
-          </a:prstGeom>
-          <a:noFill/>
-          <a:ln w="19050">
-            <a:noFill/>
-          </a:ln>
-        </p:spPr>
-        <p:txBody>
-          <a:bodyPr wrap="none" rtlCol="0">
-            <a:spAutoFit/>
-          </a:bodyPr>
-          <a:lstStyle/>
-          <a:p>
-            <a:r>
-              <a:rPr lang="en-US" altLang="ko-KR" sz="1200" dirty="0" smtClean="0">
-                <a:latin typeface="+mn-ea"/>
-              </a:rPr>
-              <a:t>Yes</a:t>
-            </a:r>
-            <a:endParaRPr lang="ko-KR" altLang="en-US" sz="1200" dirty="0">
-              <a:latin typeface="+mn-ea"/>
-            </a:endParaRPr>
-          </a:p>
-        </p:txBody>
-      </p:sp>
-      <p:sp>
-        <p:nvSpPr>
-          <p:cNvPr id="111" name="TextBox 110"/>
-          <p:cNvSpPr txBox="1"/>
-          <p:nvPr/>
-        </p:nvSpPr>
-        <p:spPr>
-          <a:xfrm>
-            <a:off x="6997098" y="2684697"/>
-            <a:ext cx="405752" cy="276999"/>
-          </a:xfrm>
-          <a:prstGeom prst="rect">
-            <a:avLst/>
-          </a:prstGeom>
-          <a:noFill/>
-          <a:ln w="19050">
-            <a:noFill/>
-          </a:ln>
-        </p:spPr>
-        <p:txBody>
-          <a:bodyPr wrap="none" rtlCol="0">
-            <a:spAutoFit/>
-          </a:bodyPr>
-          <a:lstStyle/>
-          <a:p>
-            <a:r>
-              <a:rPr lang="en-US" altLang="ko-KR" sz="1200" dirty="0" smtClean="0">
-                <a:latin typeface="+mn-ea"/>
-              </a:rPr>
-              <a:t>Yes</a:t>
-            </a:r>
-            <a:endParaRPr lang="ko-KR" altLang="en-US" sz="1200" dirty="0">
-              <a:latin typeface="+mn-ea"/>
-            </a:endParaRPr>
-          </a:p>
-        </p:txBody>
-      </p:sp>
     </p:spTree>
     <p:extLst>
       <p:ext uri="{BB962C8B-B14F-4D97-AF65-F5344CB8AC3E}">

--- a/resource/30.analysis/310.request/312.Happy Steps]프로세스정의서.pptx
+++ b/resource/30.analysis/310.request/312.Happy Steps]프로세스정의서.pptx
@@ -10,6 +10,10 @@
     <p:sldId id="257" r:id="rId4"/>
     <p:sldId id="258" r:id="rId5"/>
     <p:sldId id="259" r:id="rId6"/>
+    <p:sldId id="260" r:id="rId7"/>
+    <p:sldId id="261" r:id="rId8"/>
+    <p:sldId id="262" r:id="rId9"/>
+    <p:sldId id="263" r:id="rId10"/>
   </p:sldIdLst>
   <p:sldSz cx="12192000" cy="6858000"/>
   <p:notesSz cx="6858000" cy="9144000"/>
@@ -258,7 +262,7 @@
           <a:p>
             <a:fld id="{D38AD671-CEA9-40C5-8882-F4E0D4AAB88E}" type="datetimeFigureOut">
               <a:rPr lang="ko-KR" altLang="en-US" smtClean="0"/>
-              <a:t>2024-09-25</a:t>
+              <a:t>2024-09-27</a:t>
             </a:fld>
             <a:endParaRPr lang="ko-KR" altLang="en-US"/>
           </a:p>
@@ -428,7 +432,7 @@
           <a:p>
             <a:fld id="{D38AD671-CEA9-40C5-8882-F4E0D4AAB88E}" type="datetimeFigureOut">
               <a:rPr lang="ko-KR" altLang="en-US" smtClean="0"/>
-              <a:t>2024-09-25</a:t>
+              <a:t>2024-09-27</a:t>
             </a:fld>
             <a:endParaRPr lang="ko-KR" altLang="en-US"/>
           </a:p>
@@ -608,7 +612,7 @@
           <a:p>
             <a:fld id="{D38AD671-CEA9-40C5-8882-F4E0D4AAB88E}" type="datetimeFigureOut">
               <a:rPr lang="ko-KR" altLang="en-US" smtClean="0"/>
-              <a:t>2024-09-25</a:t>
+              <a:t>2024-09-27</a:t>
             </a:fld>
             <a:endParaRPr lang="ko-KR" altLang="en-US"/>
           </a:p>
@@ -800,7 +804,7 @@
           <a:p>
             <a:fld id="{D38AD671-CEA9-40C5-8882-F4E0D4AAB88E}" type="datetimeFigureOut">
               <a:rPr lang="ko-KR" altLang="en-US" smtClean="0"/>
-              <a:t>2024-09-25</a:t>
+              <a:t>2024-09-27</a:t>
             </a:fld>
             <a:endParaRPr lang="ko-KR" altLang="en-US"/>
           </a:p>
@@ -970,7 +974,7 @@
           <a:p>
             <a:fld id="{D38AD671-CEA9-40C5-8882-F4E0D4AAB88E}" type="datetimeFigureOut">
               <a:rPr lang="ko-KR" altLang="en-US" smtClean="0"/>
-              <a:t>2024-09-25</a:t>
+              <a:t>2024-09-27</a:t>
             </a:fld>
             <a:endParaRPr lang="ko-KR" altLang="en-US"/>
           </a:p>
@@ -1216,7 +1220,7 @@
           <a:p>
             <a:fld id="{D38AD671-CEA9-40C5-8882-F4E0D4AAB88E}" type="datetimeFigureOut">
               <a:rPr lang="ko-KR" altLang="en-US" smtClean="0"/>
-              <a:t>2024-09-25</a:t>
+              <a:t>2024-09-27</a:t>
             </a:fld>
             <a:endParaRPr lang="ko-KR" altLang="en-US"/>
           </a:p>
@@ -1448,7 +1452,7 @@
           <a:p>
             <a:fld id="{D38AD671-CEA9-40C5-8882-F4E0D4AAB88E}" type="datetimeFigureOut">
               <a:rPr lang="ko-KR" altLang="en-US" smtClean="0"/>
-              <a:t>2024-09-25</a:t>
+              <a:t>2024-09-27</a:t>
             </a:fld>
             <a:endParaRPr lang="ko-KR" altLang="en-US"/>
           </a:p>
@@ -1815,7 +1819,7 @@
           <a:p>
             <a:fld id="{D38AD671-CEA9-40C5-8882-F4E0D4AAB88E}" type="datetimeFigureOut">
               <a:rPr lang="ko-KR" altLang="en-US" smtClean="0"/>
-              <a:t>2024-09-25</a:t>
+              <a:t>2024-09-27</a:t>
             </a:fld>
             <a:endParaRPr lang="ko-KR" altLang="en-US"/>
           </a:p>
@@ -1933,7 +1937,7 @@
           <a:p>
             <a:fld id="{D38AD671-CEA9-40C5-8882-F4E0D4AAB88E}" type="datetimeFigureOut">
               <a:rPr lang="ko-KR" altLang="en-US" smtClean="0"/>
-              <a:t>2024-09-25</a:t>
+              <a:t>2024-09-27</a:t>
             </a:fld>
             <a:endParaRPr lang="ko-KR" altLang="en-US"/>
           </a:p>
@@ -2028,7 +2032,7 @@
           <a:p>
             <a:fld id="{D38AD671-CEA9-40C5-8882-F4E0D4AAB88E}" type="datetimeFigureOut">
               <a:rPr lang="ko-KR" altLang="en-US" smtClean="0"/>
-              <a:t>2024-09-25</a:t>
+              <a:t>2024-09-27</a:t>
             </a:fld>
             <a:endParaRPr lang="ko-KR" altLang="en-US"/>
           </a:p>
@@ -2305,7 +2309,7 @@
           <a:p>
             <a:fld id="{D38AD671-CEA9-40C5-8882-F4E0D4AAB88E}" type="datetimeFigureOut">
               <a:rPr lang="ko-KR" altLang="en-US" smtClean="0"/>
-              <a:t>2024-09-25</a:t>
+              <a:t>2024-09-27</a:t>
             </a:fld>
             <a:endParaRPr lang="ko-KR" altLang="en-US"/>
           </a:p>
@@ -2475,7 +2479,7 @@
           <a:p>
             <a:fld id="{D38AD671-CEA9-40C5-8882-F4E0D4AAB88E}" type="datetimeFigureOut">
               <a:rPr lang="ko-KR" altLang="en-US" smtClean="0"/>
-              <a:t>2024-09-25</a:t>
+              <a:t>2024-09-27</a:t>
             </a:fld>
             <a:endParaRPr lang="ko-KR" altLang="en-US"/>
           </a:p>
@@ -2728,7 +2732,7 @@
           <a:p>
             <a:fld id="{D38AD671-CEA9-40C5-8882-F4E0D4AAB88E}" type="datetimeFigureOut">
               <a:rPr lang="ko-KR" altLang="en-US" smtClean="0"/>
-              <a:t>2024-09-25</a:t>
+              <a:t>2024-09-27</a:t>
             </a:fld>
             <a:endParaRPr lang="ko-KR" altLang="en-US"/>
           </a:p>
@@ -2898,7 +2902,7 @@
           <a:p>
             <a:fld id="{D38AD671-CEA9-40C5-8882-F4E0D4AAB88E}" type="datetimeFigureOut">
               <a:rPr lang="ko-KR" altLang="en-US" smtClean="0"/>
-              <a:t>2024-09-25</a:t>
+              <a:t>2024-09-27</a:t>
             </a:fld>
             <a:endParaRPr lang="ko-KR" altLang="en-US"/>
           </a:p>
@@ -3078,7 +3082,7 @@
           <a:p>
             <a:fld id="{D38AD671-CEA9-40C5-8882-F4E0D4AAB88E}" type="datetimeFigureOut">
               <a:rPr lang="ko-KR" altLang="en-US" smtClean="0"/>
-              <a:t>2024-09-25</a:t>
+              <a:t>2024-09-27</a:t>
             </a:fld>
             <a:endParaRPr lang="ko-KR" altLang="en-US"/>
           </a:p>
@@ -3329,7 +3333,7 @@
           <a:p>
             <a:fld id="{D38AD671-CEA9-40C5-8882-F4E0D4AAB88E}" type="datetimeFigureOut">
               <a:rPr lang="ko-KR" altLang="en-US" smtClean="0"/>
-              <a:t>2024-09-25</a:t>
+              <a:t>2024-09-27</a:t>
             </a:fld>
             <a:endParaRPr lang="ko-KR" altLang="en-US"/>
           </a:p>
@@ -3561,7 +3565,7 @@
           <a:p>
             <a:fld id="{D38AD671-CEA9-40C5-8882-F4E0D4AAB88E}" type="datetimeFigureOut">
               <a:rPr lang="ko-KR" altLang="en-US" smtClean="0"/>
-              <a:t>2024-09-25</a:t>
+              <a:t>2024-09-27</a:t>
             </a:fld>
             <a:endParaRPr lang="ko-KR" altLang="en-US"/>
           </a:p>
@@ -3908,7 +3912,7 @@
           <a:p>
             <a:fld id="{D38AD671-CEA9-40C5-8882-F4E0D4AAB88E}" type="datetimeFigureOut">
               <a:rPr lang="ko-KR" altLang="en-US" smtClean="0"/>
-              <a:t>2024-09-25</a:t>
+              <a:t>2024-09-27</a:t>
             </a:fld>
             <a:endParaRPr lang="ko-KR" altLang="en-US"/>
           </a:p>
@@ -4026,7 +4030,7 @@
           <a:p>
             <a:fld id="{D38AD671-CEA9-40C5-8882-F4E0D4AAB88E}" type="datetimeFigureOut">
               <a:rPr lang="ko-KR" altLang="en-US" smtClean="0"/>
-              <a:t>2024-09-25</a:t>
+              <a:t>2024-09-27</a:t>
             </a:fld>
             <a:endParaRPr lang="ko-KR" altLang="en-US"/>
           </a:p>
@@ -4144,7 +4148,7 @@
           <a:p>
             <a:fld id="{D38AD671-CEA9-40C5-8882-F4E0D4AAB88E}" type="datetimeFigureOut">
               <a:rPr lang="ko-KR" altLang="en-US" smtClean="0"/>
-              <a:t>2024-09-25</a:t>
+              <a:t>2024-09-27</a:t>
             </a:fld>
             <a:endParaRPr lang="ko-KR" altLang="en-US"/>
           </a:p>
@@ -4428,7 +4432,7 @@
           <a:p>
             <a:fld id="{D38AD671-CEA9-40C5-8882-F4E0D4AAB88E}" type="datetimeFigureOut">
               <a:rPr lang="ko-KR" altLang="en-US" smtClean="0"/>
-              <a:t>2024-09-25</a:t>
+              <a:t>2024-09-27</a:t>
             </a:fld>
             <a:endParaRPr lang="ko-KR" altLang="en-US"/>
           </a:p>
@@ -4692,7 +4696,7 @@
           <a:p>
             <a:fld id="{D38AD671-CEA9-40C5-8882-F4E0D4AAB88E}" type="datetimeFigureOut">
               <a:rPr lang="ko-KR" altLang="en-US" smtClean="0"/>
-              <a:t>2024-09-25</a:t>
+              <a:t>2024-09-27</a:t>
             </a:fld>
             <a:endParaRPr lang="ko-KR" altLang="en-US"/>
           </a:p>
@@ -4906,7 +4910,7 @@
           <a:p>
             <a:fld id="{D38AD671-CEA9-40C5-8882-F4E0D4AAB88E}" type="datetimeFigureOut">
               <a:rPr lang="ko-KR" altLang="en-US" smtClean="0"/>
-              <a:t>2024-09-25</a:t>
+              <a:t>2024-09-27</a:t>
             </a:fld>
             <a:endParaRPr lang="ko-KR" altLang="en-US"/>
           </a:p>
@@ -5435,7 +5439,7 @@
           <a:p>
             <a:fld id="{D38AD671-CEA9-40C5-8882-F4E0D4AAB88E}" type="datetimeFigureOut">
               <a:rPr lang="ko-KR" altLang="en-US" smtClean="0"/>
-              <a:t>2024-09-25</a:t>
+              <a:t>2024-09-27</a:t>
             </a:fld>
             <a:endParaRPr lang="ko-KR" altLang="en-US"/>
           </a:p>
@@ -9839,16 +9843,7 @@
                 </a:solidFill>
                 <a:latin typeface="+mn-ea"/>
               </a:rPr>
-              <a:t>유효성 검사 </a:t>
-            </a:r>
-            <a:r>
-              <a:rPr lang="ko-KR" altLang="en-US" sz="1000" dirty="0" smtClean="0">
-                <a:solidFill>
-                  <a:schemeClr val="tx1"/>
-                </a:solidFill>
-                <a:latin typeface="+mn-ea"/>
-              </a:rPr>
-              <a:t>및 </a:t>
+              <a:t>유효성 검사 및 </a:t>
             </a:r>
             <a:r>
               <a:rPr lang="ko-KR" altLang="en-US" sz="1000" dirty="0" err="1" smtClean="0">
@@ -10914,6 +10909,768 @@
     <p:extLst>
       <p:ext uri="{BB962C8B-B14F-4D97-AF65-F5344CB8AC3E}">
         <p14:creationId xmlns:p14="http://schemas.microsoft.com/office/powerpoint/2010/main" val="1550820449"/>
+      </p:ext>
+    </p:extLst>
+  </p:cSld>
+  <p:clrMapOvr>
+    <a:masterClrMapping/>
+  </p:clrMapOvr>
+  <p:timing>
+    <p:tnLst>
+      <p:par>
+        <p:cTn id="1" dur="indefinite" restart="never" nodeType="tmRoot"/>
+      </p:par>
+    </p:tnLst>
+  </p:timing>
+</p:sld>
+</file>
+
+<file path=ppt/slides/slide5.xml><?xml version="1.0" encoding="utf-8"?>
+<p:sld xmlns:a="http://schemas.openxmlformats.org/drawingml/2006/main" xmlns:r="http://schemas.openxmlformats.org/officeDocument/2006/relationships" xmlns:p="http://schemas.openxmlformats.org/presentationml/2006/main">
+  <p:cSld>
+    <p:spTree>
+      <p:nvGrpSpPr>
+        <p:cNvPr id="1" name=""/>
+        <p:cNvGrpSpPr/>
+        <p:nvPr/>
+      </p:nvGrpSpPr>
+      <p:grpSpPr>
+        <a:xfrm>
+          <a:off x="0" y="0"/>
+          <a:ext cx="0" cy="0"/>
+          <a:chOff x="0" y="0"/>
+          <a:chExt cx="0" cy="0"/>
+        </a:xfrm>
+      </p:grpSpPr>
+      <p:pic>
+        <p:nvPicPr>
+          <p:cNvPr id="6" name="그림 5"/>
+          <p:cNvPicPr>
+            <a:picLocks noChangeAspect="1"/>
+          </p:cNvPicPr>
+          <p:nvPr/>
+        </p:nvPicPr>
+        <p:blipFill>
+          <a:blip r:embed="rId2"/>
+          <a:stretch>
+            <a:fillRect/>
+          </a:stretch>
+        </p:blipFill>
+        <p:spPr>
+          <a:xfrm>
+            <a:off x="596362" y="972589"/>
+            <a:ext cx="11064053" cy="5375131"/>
+          </a:xfrm>
+          <a:prstGeom prst="rect">
+            <a:avLst/>
+          </a:prstGeom>
+        </p:spPr>
+      </p:pic>
+    </p:spTree>
+    <p:extLst>
+      <p:ext uri="{BB962C8B-B14F-4D97-AF65-F5344CB8AC3E}">
+        <p14:creationId xmlns:p14="http://schemas.microsoft.com/office/powerpoint/2010/main" val="3885319963"/>
+      </p:ext>
+    </p:extLst>
+  </p:cSld>
+  <p:clrMapOvr>
+    <a:masterClrMapping/>
+  </p:clrMapOvr>
+  <p:timing>
+    <p:tnLst>
+      <p:par>
+        <p:cTn id="1" dur="indefinite" restart="never" nodeType="tmRoot"/>
+      </p:par>
+    </p:tnLst>
+  </p:timing>
+</p:sld>
+</file>
+
+<file path=ppt/slides/slide6.xml><?xml version="1.0" encoding="utf-8"?>
+<p:sld xmlns:a="http://schemas.openxmlformats.org/drawingml/2006/main" xmlns:r="http://schemas.openxmlformats.org/officeDocument/2006/relationships" xmlns:p="http://schemas.openxmlformats.org/presentationml/2006/main">
+  <p:cSld>
+    <p:spTree>
+      <p:nvGrpSpPr>
+        <p:cNvPr id="1" name=""/>
+        <p:cNvGrpSpPr/>
+        <p:nvPr/>
+      </p:nvGrpSpPr>
+      <p:grpSpPr>
+        <a:xfrm>
+          <a:off x="0" y="0"/>
+          <a:ext cx="0" cy="0"/>
+          <a:chOff x="0" y="0"/>
+          <a:chExt cx="0" cy="0"/>
+        </a:xfrm>
+      </p:grpSpPr>
+      <p:sp>
+        <p:nvSpPr>
+          <p:cNvPr id="40" name="TextBox 39"/>
+          <p:cNvSpPr txBox="1"/>
+          <p:nvPr/>
+        </p:nvSpPr>
+        <p:spPr>
+          <a:xfrm>
+            <a:off x="424381" y="415637"/>
+            <a:ext cx="1745991" cy="461665"/>
+          </a:xfrm>
+          <a:prstGeom prst="rect">
+            <a:avLst/>
+          </a:prstGeom>
+          <a:noFill/>
+        </p:spPr>
+        <p:txBody>
+          <a:bodyPr wrap="none" rtlCol="0">
+            <a:spAutoFit/>
+          </a:bodyPr>
+          <a:lstStyle/>
+          <a:p>
+            <a:r>
+              <a:rPr lang="en-US" altLang="ko-KR" sz="2400" b="1" dirty="0" smtClean="0"/>
+              <a:t>[</a:t>
+            </a:r>
+            <a:r>
+              <a:rPr lang="ko-KR" altLang="en-US" sz="2400" b="1" dirty="0" smtClean="0"/>
+              <a:t>이용 약관</a:t>
+            </a:r>
+            <a:r>
+              <a:rPr lang="en-US" altLang="ko-KR" sz="2400" b="1" dirty="0" smtClean="0"/>
+              <a:t>]</a:t>
+            </a:r>
+            <a:endParaRPr lang="ko-KR" altLang="en-US" sz="2400" b="1" dirty="0"/>
+          </a:p>
+        </p:txBody>
+      </p:sp>
+      <p:sp>
+        <p:nvSpPr>
+          <p:cNvPr id="41" name="부제목 2"/>
+          <p:cNvSpPr txBox="1">
+            <a:spLocks/>
+          </p:cNvSpPr>
+          <p:nvPr/>
+        </p:nvSpPr>
+        <p:spPr>
+          <a:xfrm>
+            <a:off x="7367846" y="1505468"/>
+            <a:ext cx="4037215" cy="2584393"/>
+          </a:xfrm>
+          <a:prstGeom prst="rect">
+            <a:avLst/>
+          </a:prstGeom>
+        </p:spPr>
+        <p:txBody>
+          <a:bodyPr>
+            <a:normAutofit/>
+          </a:bodyPr>
+          <a:lstStyle>
+            <a:lvl1pPr marL="228600" indent="-228600" algn="l" defTabSz="914400" rtl="0" eaLnBrk="1" latinLnBrk="1" hangingPunct="1">
+              <a:lnSpc>
+                <a:spcPct val="90000"/>
+              </a:lnSpc>
+              <a:spcBef>
+                <a:spcPts val="1000"/>
+              </a:spcBef>
+              <a:buFont typeface="Arial" panose="020B0604020202020204" pitchFamily="34" charset="0"/>
+              <a:buChar char="•"/>
+              <a:defRPr sz="2800" kern="1200">
+                <a:solidFill>
+                  <a:schemeClr val="tx1"/>
+                </a:solidFill>
+                <a:latin typeface="+mn-lt"/>
+                <a:ea typeface="+mn-ea"/>
+                <a:cs typeface="+mn-cs"/>
+              </a:defRPr>
+            </a:lvl1pPr>
+            <a:lvl2pPr marL="685800" indent="-228600" algn="l" defTabSz="914400" rtl="0" eaLnBrk="1" latinLnBrk="1" hangingPunct="1">
+              <a:lnSpc>
+                <a:spcPct val="90000"/>
+              </a:lnSpc>
+              <a:spcBef>
+                <a:spcPts val="500"/>
+              </a:spcBef>
+              <a:buFont typeface="Arial" panose="020B0604020202020204" pitchFamily="34" charset="0"/>
+              <a:buChar char="•"/>
+              <a:defRPr sz="2400" kern="1200">
+                <a:solidFill>
+                  <a:schemeClr val="tx1"/>
+                </a:solidFill>
+                <a:latin typeface="+mn-lt"/>
+                <a:ea typeface="+mn-ea"/>
+                <a:cs typeface="+mn-cs"/>
+              </a:defRPr>
+            </a:lvl2pPr>
+            <a:lvl3pPr marL="1143000" indent="-228600" algn="l" defTabSz="914400" rtl="0" eaLnBrk="1" latinLnBrk="1" hangingPunct="1">
+              <a:lnSpc>
+                <a:spcPct val="90000"/>
+              </a:lnSpc>
+              <a:spcBef>
+                <a:spcPts val="500"/>
+              </a:spcBef>
+              <a:buFont typeface="Arial" panose="020B0604020202020204" pitchFamily="34" charset="0"/>
+              <a:buChar char="•"/>
+              <a:defRPr sz="2000" kern="1200">
+                <a:solidFill>
+                  <a:schemeClr val="tx1"/>
+                </a:solidFill>
+                <a:latin typeface="+mn-lt"/>
+                <a:ea typeface="+mn-ea"/>
+                <a:cs typeface="+mn-cs"/>
+              </a:defRPr>
+            </a:lvl3pPr>
+            <a:lvl4pPr marL="1600200" indent="-228600" algn="l" defTabSz="914400" rtl="0" eaLnBrk="1" latinLnBrk="1" hangingPunct="1">
+              <a:lnSpc>
+                <a:spcPct val="90000"/>
+              </a:lnSpc>
+              <a:spcBef>
+                <a:spcPts val="500"/>
+              </a:spcBef>
+              <a:buFont typeface="Arial" panose="020B0604020202020204" pitchFamily="34" charset="0"/>
+              <a:buChar char="•"/>
+              <a:defRPr sz="1800" kern="1200">
+                <a:solidFill>
+                  <a:schemeClr val="tx1"/>
+                </a:solidFill>
+                <a:latin typeface="+mn-lt"/>
+                <a:ea typeface="+mn-ea"/>
+                <a:cs typeface="+mn-cs"/>
+              </a:defRPr>
+            </a:lvl4pPr>
+            <a:lvl5pPr marL="2057400" indent="-228600" algn="l" defTabSz="914400" rtl="0" eaLnBrk="1" latinLnBrk="1" hangingPunct="1">
+              <a:lnSpc>
+                <a:spcPct val="90000"/>
+              </a:lnSpc>
+              <a:spcBef>
+                <a:spcPts val="500"/>
+              </a:spcBef>
+              <a:buFont typeface="Arial" panose="020B0604020202020204" pitchFamily="34" charset="0"/>
+              <a:buChar char="•"/>
+              <a:defRPr sz="1800" kern="1200">
+                <a:solidFill>
+                  <a:schemeClr val="tx1"/>
+                </a:solidFill>
+                <a:latin typeface="+mn-lt"/>
+                <a:ea typeface="+mn-ea"/>
+                <a:cs typeface="+mn-cs"/>
+              </a:defRPr>
+            </a:lvl5pPr>
+            <a:lvl6pPr marL="2514600" indent="-228600" algn="l" defTabSz="914400" rtl="0" eaLnBrk="1" latinLnBrk="1" hangingPunct="1">
+              <a:lnSpc>
+                <a:spcPct val="90000"/>
+              </a:lnSpc>
+              <a:spcBef>
+                <a:spcPts val="500"/>
+              </a:spcBef>
+              <a:buFont typeface="Arial" panose="020B0604020202020204" pitchFamily="34" charset="0"/>
+              <a:buChar char="•"/>
+              <a:defRPr sz="1800" kern="1200">
+                <a:solidFill>
+                  <a:schemeClr val="tx1"/>
+                </a:solidFill>
+                <a:latin typeface="+mn-lt"/>
+                <a:ea typeface="+mn-ea"/>
+                <a:cs typeface="+mn-cs"/>
+              </a:defRPr>
+            </a:lvl6pPr>
+            <a:lvl7pPr marL="2971800" indent="-228600" algn="l" defTabSz="914400" rtl="0" eaLnBrk="1" latinLnBrk="1" hangingPunct="1">
+              <a:lnSpc>
+                <a:spcPct val="90000"/>
+              </a:lnSpc>
+              <a:spcBef>
+                <a:spcPts val="500"/>
+              </a:spcBef>
+              <a:buFont typeface="Arial" panose="020B0604020202020204" pitchFamily="34" charset="0"/>
+              <a:buChar char="•"/>
+              <a:defRPr sz="1800" kern="1200">
+                <a:solidFill>
+                  <a:schemeClr val="tx1"/>
+                </a:solidFill>
+                <a:latin typeface="+mn-lt"/>
+                <a:ea typeface="+mn-ea"/>
+                <a:cs typeface="+mn-cs"/>
+              </a:defRPr>
+            </a:lvl7pPr>
+            <a:lvl8pPr marL="3429000" indent="-228600" algn="l" defTabSz="914400" rtl="0" eaLnBrk="1" latinLnBrk="1" hangingPunct="1">
+              <a:lnSpc>
+                <a:spcPct val="90000"/>
+              </a:lnSpc>
+              <a:spcBef>
+                <a:spcPts val="500"/>
+              </a:spcBef>
+              <a:buFont typeface="Arial" panose="020B0604020202020204" pitchFamily="34" charset="0"/>
+              <a:buChar char="•"/>
+              <a:defRPr sz="1800" kern="1200">
+                <a:solidFill>
+                  <a:schemeClr val="tx1"/>
+                </a:solidFill>
+                <a:latin typeface="+mn-lt"/>
+                <a:ea typeface="+mn-ea"/>
+                <a:cs typeface="+mn-cs"/>
+              </a:defRPr>
+            </a:lvl8pPr>
+            <a:lvl9pPr marL="3886200" indent="-228600" algn="l" defTabSz="914400" rtl="0" eaLnBrk="1" latinLnBrk="1" hangingPunct="1">
+              <a:lnSpc>
+                <a:spcPct val="90000"/>
+              </a:lnSpc>
+              <a:spcBef>
+                <a:spcPts val="500"/>
+              </a:spcBef>
+              <a:buFont typeface="Arial" panose="020B0604020202020204" pitchFamily="34" charset="0"/>
+              <a:buChar char="•"/>
+              <a:defRPr sz="1800" kern="1200">
+                <a:solidFill>
+                  <a:schemeClr val="tx1"/>
+                </a:solidFill>
+                <a:latin typeface="+mn-lt"/>
+                <a:ea typeface="+mn-ea"/>
+                <a:cs typeface="+mn-cs"/>
+              </a:defRPr>
+            </a:lvl9pPr>
+          </a:lstStyle>
+          <a:p>
+            <a:pPr>
+              <a:buFont typeface="Arial" panose="020B0604020202020204" pitchFamily="34" charset="0"/>
+              <a:buAutoNum type="arabicPeriod"/>
+            </a:pPr>
+            <a:r>
+              <a:rPr lang="ko-KR" altLang="en-US" sz="1200" dirty="0" smtClean="0"/>
+              <a:t>회원가입 버튼 클릭</a:t>
+            </a:r>
+            <a:endParaRPr lang="en-US" altLang="ko-KR" sz="1200" dirty="0" smtClean="0"/>
+          </a:p>
+          <a:p>
+            <a:pPr>
+              <a:buFont typeface="Arial" panose="020B0604020202020204" pitchFamily="34" charset="0"/>
+              <a:buAutoNum type="arabicPeriod"/>
+            </a:pPr>
+            <a:r>
+              <a:rPr lang="ko-KR" altLang="en-US" sz="1200" dirty="0" smtClean="0"/>
+              <a:t>약관 동의 </a:t>
+            </a:r>
+            <a:r>
+              <a:rPr lang="en-US" altLang="ko-KR" sz="1200" dirty="0" smtClean="0"/>
+              <a:t>(</a:t>
+            </a:r>
+            <a:r>
+              <a:rPr lang="ko-KR" altLang="en-US" sz="1200" dirty="0" smtClean="0"/>
+              <a:t>필수</a:t>
+            </a:r>
+            <a:r>
+              <a:rPr lang="en-US" altLang="ko-KR" sz="1200" dirty="0" smtClean="0"/>
+              <a:t>, </a:t>
+            </a:r>
+            <a:r>
+              <a:rPr lang="ko-KR" altLang="en-US" sz="1200" dirty="0" smtClean="0"/>
+              <a:t>선택</a:t>
+            </a:r>
+            <a:r>
+              <a:rPr lang="en-US" altLang="ko-KR" sz="1200" dirty="0" smtClean="0"/>
+              <a:t>, </a:t>
+            </a:r>
+            <a:r>
+              <a:rPr lang="ko-KR" altLang="en-US" sz="1200" dirty="0" smtClean="0"/>
+              <a:t>입양</a:t>
+            </a:r>
+            <a:r>
+              <a:rPr lang="en-US" altLang="ko-KR" sz="1200" dirty="0" smtClean="0"/>
+              <a:t>) &gt; </a:t>
+            </a:r>
+            <a:r>
+              <a:rPr lang="ko-KR" altLang="en-US" sz="1200" dirty="0" smtClean="0"/>
+              <a:t>다음 버튼 클릭</a:t>
+            </a:r>
+            <a:endParaRPr lang="en-US" altLang="ko-KR" sz="1200" dirty="0" smtClean="0"/>
+          </a:p>
+          <a:p>
+            <a:pPr>
+              <a:buFont typeface="Arial" panose="020B0604020202020204" pitchFamily="34" charset="0"/>
+              <a:buAutoNum type="arabicPeriod"/>
+            </a:pPr>
+            <a:r>
+              <a:rPr lang="en-US" altLang="ko-KR" sz="1200" dirty="0" smtClean="0"/>
+              <a:t> </a:t>
+            </a:r>
+            <a:r>
+              <a:rPr lang="ko-KR" altLang="en-US" sz="1200" dirty="0" smtClean="0"/>
+              <a:t>회원 가입 폼 </a:t>
+            </a:r>
+            <a:endParaRPr lang="en-US" altLang="ko-KR" sz="1200" dirty="0" smtClean="0"/>
+          </a:p>
+          <a:p>
+            <a:pPr>
+              <a:buFont typeface="Arial" panose="020B0604020202020204" pitchFamily="34" charset="0"/>
+              <a:buAutoNum type="arabicPeriod"/>
+            </a:pPr>
+            <a:endParaRPr lang="ko-KR" altLang="en-US" sz="1100" dirty="0"/>
+          </a:p>
+        </p:txBody>
+      </p:sp>
+      <p:pic>
+        <p:nvPicPr>
+          <p:cNvPr id="42" name="그림 41"/>
+          <p:cNvPicPr>
+            <a:picLocks noChangeAspect="1"/>
+          </p:cNvPicPr>
+          <p:nvPr/>
+        </p:nvPicPr>
+        <p:blipFill>
+          <a:blip r:embed="rId2"/>
+          <a:stretch>
+            <a:fillRect/>
+          </a:stretch>
+        </p:blipFill>
+        <p:spPr>
+          <a:xfrm>
+            <a:off x="424381" y="1103341"/>
+            <a:ext cx="6048375" cy="3105150"/>
+          </a:xfrm>
+          <a:prstGeom prst="rect">
+            <a:avLst/>
+          </a:prstGeom>
+        </p:spPr>
+      </p:pic>
+    </p:spTree>
+    <p:extLst>
+      <p:ext uri="{BB962C8B-B14F-4D97-AF65-F5344CB8AC3E}">
+        <p14:creationId xmlns:p14="http://schemas.microsoft.com/office/powerpoint/2010/main" val="2659962556"/>
+      </p:ext>
+    </p:extLst>
+  </p:cSld>
+  <p:clrMapOvr>
+    <a:masterClrMapping/>
+  </p:clrMapOvr>
+  <p:timing>
+    <p:tnLst>
+      <p:par>
+        <p:cTn id="1" dur="indefinite" restart="never" nodeType="tmRoot"/>
+      </p:par>
+    </p:tnLst>
+  </p:timing>
+</p:sld>
+</file>
+
+<file path=ppt/slides/slide7.xml><?xml version="1.0" encoding="utf-8"?>
+<p:sld xmlns:a="http://schemas.openxmlformats.org/drawingml/2006/main" xmlns:r="http://schemas.openxmlformats.org/officeDocument/2006/relationships" xmlns:p="http://schemas.openxmlformats.org/presentationml/2006/main">
+  <p:cSld>
+    <p:spTree>
+      <p:nvGrpSpPr>
+        <p:cNvPr id="1" name=""/>
+        <p:cNvGrpSpPr/>
+        <p:nvPr/>
+      </p:nvGrpSpPr>
+      <p:grpSpPr>
+        <a:xfrm>
+          <a:off x="0" y="0"/>
+          <a:ext cx="0" cy="0"/>
+          <a:chOff x="0" y="0"/>
+          <a:chExt cx="0" cy="0"/>
+        </a:xfrm>
+      </p:grpSpPr>
+      <p:sp>
+        <p:nvSpPr>
+          <p:cNvPr id="2" name="제목 1"/>
+          <p:cNvSpPr>
+            <a:spLocks noGrp="1"/>
+          </p:cNvSpPr>
+          <p:nvPr>
+            <p:ph type="ctrTitle"/>
+          </p:nvPr>
+        </p:nvSpPr>
+        <p:spPr>
+          <a:xfrm>
+            <a:off x="881145" y="274321"/>
+            <a:ext cx="1792779" cy="382385"/>
+          </a:xfrm>
+        </p:spPr>
+        <p:txBody>
+          <a:bodyPr>
+            <a:noAutofit/>
+          </a:bodyPr>
+          <a:lstStyle/>
+          <a:p>
+            <a:r>
+              <a:rPr lang="en-US" altLang="ko-KR" sz="2400" b="1" dirty="0" smtClean="0"/>
+              <a:t>[</a:t>
+            </a:r>
+            <a:r>
+              <a:rPr lang="ko-KR" altLang="en-US" sz="2400" b="1" dirty="0" smtClean="0"/>
+              <a:t>회원 가입</a:t>
+            </a:r>
+            <a:r>
+              <a:rPr lang="en-US" altLang="ko-KR" sz="2400" b="1" dirty="0" smtClean="0"/>
+              <a:t>]</a:t>
+            </a:r>
+            <a:endParaRPr lang="ko-KR" altLang="en-US" sz="2400" b="1" dirty="0"/>
+          </a:p>
+        </p:txBody>
+      </p:sp>
+      <p:sp>
+        <p:nvSpPr>
+          <p:cNvPr id="3" name="부제목 2"/>
+          <p:cNvSpPr>
+            <a:spLocks noGrp="1"/>
+          </p:cNvSpPr>
+          <p:nvPr>
+            <p:ph type="subTitle" idx="1"/>
+          </p:nvPr>
+        </p:nvSpPr>
+        <p:spPr>
+          <a:xfrm>
+            <a:off x="1050175" y="858838"/>
+            <a:ext cx="9144000" cy="812020"/>
+          </a:xfrm>
+        </p:spPr>
+        <p:txBody>
+          <a:bodyPr>
+            <a:normAutofit/>
+          </a:bodyPr>
+          <a:lstStyle/>
+          <a:p>
+            <a:pPr marL="228600" indent="-228600" algn="l">
+              <a:buAutoNum type="arabicPeriod"/>
+            </a:pPr>
+            <a:r>
+              <a:rPr lang="ko-KR" altLang="en-US" sz="1100" dirty="0" smtClean="0"/>
+              <a:t>회원가입 버튼 클릭</a:t>
+            </a:r>
+            <a:endParaRPr lang="en-US" altLang="ko-KR" sz="1100" dirty="0" smtClean="0"/>
+          </a:p>
+          <a:p>
+            <a:pPr marL="228600" indent="-228600" algn="l">
+              <a:buAutoNum type="arabicPeriod"/>
+            </a:pPr>
+            <a:r>
+              <a:rPr lang="ko-KR" altLang="en-US" sz="1100" dirty="0" smtClean="0"/>
+              <a:t>약관 동의 </a:t>
+            </a:r>
+            <a:r>
+              <a:rPr lang="en-US" altLang="ko-KR" sz="1100" dirty="0" smtClean="0"/>
+              <a:t>(</a:t>
+            </a:r>
+            <a:r>
+              <a:rPr lang="ko-KR" altLang="en-US" sz="1100" dirty="0" smtClean="0"/>
+              <a:t>필수</a:t>
+            </a:r>
+            <a:r>
+              <a:rPr lang="en-US" altLang="ko-KR" sz="1100" dirty="0" smtClean="0"/>
+              <a:t>, </a:t>
+            </a:r>
+            <a:r>
+              <a:rPr lang="ko-KR" altLang="en-US" sz="1100" dirty="0" smtClean="0"/>
+              <a:t>선택</a:t>
+            </a:r>
+            <a:r>
+              <a:rPr lang="en-US" altLang="ko-KR" sz="1100" dirty="0" smtClean="0"/>
+              <a:t>, </a:t>
+            </a:r>
+            <a:r>
+              <a:rPr lang="ko-KR" altLang="en-US" sz="1100" dirty="0" smtClean="0"/>
+              <a:t>입양</a:t>
+            </a:r>
+            <a:r>
+              <a:rPr lang="en-US" altLang="ko-KR" sz="1100" dirty="0" smtClean="0"/>
+              <a:t>) &gt; </a:t>
+            </a:r>
+            <a:r>
+              <a:rPr lang="ko-KR" altLang="en-US" sz="1100" dirty="0" smtClean="0"/>
+              <a:t>다음 버튼 클릭</a:t>
+            </a:r>
+            <a:endParaRPr lang="en-US" altLang="ko-KR" sz="1100" dirty="0" smtClean="0"/>
+          </a:p>
+          <a:p>
+            <a:pPr marL="228600" indent="-228600" algn="l">
+              <a:buAutoNum type="arabicPeriod"/>
+            </a:pPr>
+            <a:r>
+              <a:rPr lang="en-US" altLang="ko-KR" sz="1100" dirty="0"/>
+              <a:t> </a:t>
+            </a:r>
+            <a:r>
+              <a:rPr lang="ko-KR" altLang="en-US" sz="1100" dirty="0" smtClean="0"/>
+              <a:t>회원 가입 폼 </a:t>
+            </a:r>
+            <a:endParaRPr lang="en-US" altLang="ko-KR" sz="1100" dirty="0" smtClean="0"/>
+          </a:p>
+          <a:p>
+            <a:pPr marL="228600" indent="-228600" algn="l">
+              <a:buAutoNum type="arabicPeriod"/>
+            </a:pPr>
+            <a:endParaRPr lang="ko-KR" altLang="en-US" sz="1100" dirty="0"/>
+          </a:p>
+        </p:txBody>
+      </p:sp>
+      <p:sp>
+        <p:nvSpPr>
+          <p:cNvPr id="8" name="TextBox 7"/>
+          <p:cNvSpPr txBox="1"/>
+          <p:nvPr/>
+        </p:nvSpPr>
+        <p:spPr>
+          <a:xfrm>
+            <a:off x="6691745" y="1820487"/>
+            <a:ext cx="2718262" cy="553998"/>
+          </a:xfrm>
+          <a:prstGeom prst="rect">
+            <a:avLst/>
+          </a:prstGeom>
+          <a:noFill/>
+        </p:spPr>
+        <p:txBody>
+          <a:bodyPr wrap="square" rtlCol="0">
+            <a:spAutoFit/>
+          </a:bodyPr>
+          <a:lstStyle/>
+          <a:p>
+            <a:pPr marL="228600" indent="-228600">
+              <a:buAutoNum type="arabicPeriod"/>
+            </a:pPr>
+            <a:r>
+              <a:rPr lang="ko-KR" altLang="en-US" sz="1000" dirty="0" smtClean="0"/>
+              <a:t>아이디 중복 체크</a:t>
+            </a:r>
+            <a:endParaRPr lang="en-US" altLang="ko-KR" sz="1000" dirty="0" smtClean="0"/>
+          </a:p>
+          <a:p>
+            <a:pPr marL="228600" indent="-228600">
+              <a:buAutoNum type="arabicPeriod"/>
+            </a:pPr>
+            <a:r>
+              <a:rPr lang="ko-KR" altLang="en-US" sz="1000" dirty="0" smtClean="0"/>
+              <a:t> </a:t>
+            </a:r>
+            <a:endParaRPr lang="en-US" altLang="ko-KR" sz="1000" dirty="0" smtClean="0"/>
+          </a:p>
+          <a:p>
+            <a:endParaRPr lang="ko-KR" altLang="en-US" sz="1000" dirty="0"/>
+          </a:p>
+        </p:txBody>
+      </p:sp>
+      <p:pic>
+        <p:nvPicPr>
+          <p:cNvPr id="10" name="그림 9"/>
+          <p:cNvPicPr>
+            <a:picLocks noChangeAspect="1"/>
+          </p:cNvPicPr>
+          <p:nvPr/>
+        </p:nvPicPr>
+        <p:blipFill>
+          <a:blip r:embed="rId2"/>
+          <a:stretch>
+            <a:fillRect/>
+          </a:stretch>
+        </p:blipFill>
+        <p:spPr>
+          <a:xfrm>
+            <a:off x="1050175" y="1800225"/>
+            <a:ext cx="4000500" cy="5057775"/>
+          </a:xfrm>
+          <a:prstGeom prst="rect">
+            <a:avLst/>
+          </a:prstGeom>
+        </p:spPr>
+      </p:pic>
+    </p:spTree>
+    <p:extLst>
+      <p:ext uri="{BB962C8B-B14F-4D97-AF65-F5344CB8AC3E}">
+        <p14:creationId xmlns:p14="http://schemas.microsoft.com/office/powerpoint/2010/main" val="3159171140"/>
+      </p:ext>
+    </p:extLst>
+  </p:cSld>
+  <p:clrMapOvr>
+    <a:masterClrMapping/>
+  </p:clrMapOvr>
+  <p:timing>
+    <p:tnLst>
+      <p:par>
+        <p:cTn id="1" dur="indefinite" restart="never" nodeType="tmRoot"/>
+      </p:par>
+    </p:tnLst>
+  </p:timing>
+</p:sld>
+</file>
+
+<file path=ppt/slides/slide8.xml><?xml version="1.0" encoding="utf-8"?>
+<p:sld xmlns:a="http://schemas.openxmlformats.org/drawingml/2006/main" xmlns:r="http://schemas.openxmlformats.org/officeDocument/2006/relationships" xmlns:p="http://schemas.openxmlformats.org/presentationml/2006/main">
+  <p:cSld>
+    <p:spTree>
+      <p:nvGrpSpPr>
+        <p:cNvPr id="1" name=""/>
+        <p:cNvGrpSpPr/>
+        <p:nvPr/>
+      </p:nvGrpSpPr>
+      <p:grpSpPr>
+        <a:xfrm>
+          <a:off x="0" y="0"/>
+          <a:ext cx="0" cy="0"/>
+          <a:chOff x="0" y="0"/>
+          <a:chExt cx="0" cy="0"/>
+        </a:xfrm>
+      </p:grpSpPr>
+      <p:pic>
+        <p:nvPicPr>
+          <p:cNvPr id="2" name="그림 1"/>
+          <p:cNvPicPr>
+            <a:picLocks noChangeAspect="1"/>
+          </p:cNvPicPr>
+          <p:nvPr/>
+        </p:nvPicPr>
+        <p:blipFill>
+          <a:blip r:embed="rId2"/>
+          <a:stretch>
+            <a:fillRect/>
+          </a:stretch>
+        </p:blipFill>
+        <p:spPr>
+          <a:xfrm>
+            <a:off x="452351" y="1663931"/>
+            <a:ext cx="5867400" cy="3048000"/>
+          </a:xfrm>
+          <a:prstGeom prst="rect">
+            <a:avLst/>
+          </a:prstGeom>
+        </p:spPr>
+      </p:pic>
+      <p:sp>
+        <p:nvSpPr>
+          <p:cNvPr id="3" name="TextBox 2"/>
+          <p:cNvSpPr txBox="1"/>
+          <p:nvPr/>
+        </p:nvSpPr>
+        <p:spPr>
+          <a:xfrm>
+            <a:off x="631767" y="548640"/>
+            <a:ext cx="2535382" cy="461665"/>
+          </a:xfrm>
+          <a:prstGeom prst="rect">
+            <a:avLst/>
+          </a:prstGeom>
+          <a:noFill/>
+        </p:spPr>
+        <p:txBody>
+          <a:bodyPr wrap="square" rtlCol="0">
+            <a:spAutoFit/>
+          </a:bodyPr>
+          <a:lstStyle/>
+          <a:p>
+            <a:r>
+              <a:rPr lang="en-US" altLang="ko-KR" sz="2400" b="1" dirty="0" smtClean="0"/>
+              <a:t>[</a:t>
+            </a:r>
+            <a:r>
+              <a:rPr lang="ko-KR" altLang="en-US" sz="2400" b="1" dirty="0" smtClean="0"/>
+              <a:t>로그인</a:t>
+            </a:r>
+            <a:r>
+              <a:rPr lang="en-US" altLang="ko-KR" sz="2400" b="1" dirty="0" smtClean="0"/>
+              <a:t>]</a:t>
+            </a:r>
+            <a:endParaRPr lang="ko-KR" altLang="en-US" sz="2400" b="1" dirty="0"/>
+          </a:p>
+        </p:txBody>
+      </p:sp>
+    </p:spTree>
+    <p:extLst>
+      <p:ext uri="{BB962C8B-B14F-4D97-AF65-F5344CB8AC3E}">
+        <p14:creationId xmlns:p14="http://schemas.microsoft.com/office/powerpoint/2010/main" val="2494743599"/>
       </p:ext>
     </p:extLst>
   </p:cSld>

--- a/resource/30.analysis/310.request/312.Happy Steps]프로세스정의서.pptx
+++ b/resource/30.analysis/310.request/312.Happy Steps]프로세스정의서.pptx
@@ -11507,7 +11507,7 @@
         <p:spPr>
           <a:xfrm>
             <a:off x="6691745" y="1820487"/>
-            <a:ext cx="2718262" cy="553998"/>
+            <a:ext cx="2718262" cy="400110"/>
           </a:xfrm>
           <a:prstGeom prst="rect">
             <a:avLst/>
@@ -11520,19 +11520,6 @@
           </a:bodyPr>
           <a:lstStyle/>
           <a:p>
-            <a:pPr marL="228600" indent="-228600">
-              <a:buAutoNum type="arabicPeriod"/>
-            </a:pPr>
-            <a:r>
-              <a:rPr lang="ko-KR" altLang="en-US" sz="1000" dirty="0" smtClean="0"/>
-              <a:t>아이디 중복 체크</a:t>
-            </a:r>
-            <a:endParaRPr lang="en-US" altLang="ko-KR" sz="1000" dirty="0" smtClean="0"/>
-          </a:p>
-          <a:p>
-            <a:pPr marL="228600" indent="-228600">
-              <a:buAutoNum type="arabicPeriod"/>
-            </a:pPr>
             <a:r>
               <a:rPr lang="ko-KR" altLang="en-US" sz="1000" dirty="0" smtClean="0"/>
               <a:t> </a:t>
